--- a/bcprojects/milestones presentation/Blockchain Security Journey Starts.pptx
+++ b/bcprojects/milestones presentation/Blockchain Security Journey Starts.pptx
@@ -118,10 +118,6 @@
 </p:presentation>
 </file>
 
-<file path=ppt/revisionInfo.xml><?xml version="1.0" encoding="utf-8"?>
-<p1510:revInfo xmlns:a="http://schemas.openxmlformats.org/drawingml/2006/main" xmlns:r="http://schemas.openxmlformats.org/officeDocument/2006/relationships" xmlns:p1510="http://schemas.microsoft.com/office/powerpoint/2015/10/main"/>
-</file>
-
 <file path=ppt/slideLayouts/slideLayout1.xml><?xml version="1.0" encoding="utf-8"?>
 <p:sldLayout xmlns:a="http://schemas.openxmlformats.org/drawingml/2006/main" xmlns:r="http://schemas.openxmlformats.org/officeDocument/2006/relationships" xmlns:p="http://schemas.openxmlformats.org/presentationml/2006/main" type="title" preserve="1">
   <p:cSld name="Title Slide">
@@ -271,7 +267,7 @@
           <a:p>
             <a:fld id="{CEBE2C43-0FFF-4582-B492-3C51C8041F09}" type="datetimeFigureOut">
               <a:rPr lang="nl-NL" smtClean="0"/>
-              <a:t>3-12-2017</a:t>
+              <a:t>22-1-2019</a:t>
             </a:fld>
             <a:endParaRPr lang="nl-NL"/>
           </a:p>
@@ -471,7 +467,7 @@
           <a:p>
             <a:fld id="{CEBE2C43-0FFF-4582-B492-3C51C8041F09}" type="datetimeFigureOut">
               <a:rPr lang="nl-NL" smtClean="0"/>
-              <a:t>3-12-2017</a:t>
+              <a:t>22-1-2019</a:t>
             </a:fld>
             <a:endParaRPr lang="nl-NL"/>
           </a:p>
@@ -681,7 +677,7 @@
           <a:p>
             <a:fld id="{CEBE2C43-0FFF-4582-B492-3C51C8041F09}" type="datetimeFigureOut">
               <a:rPr lang="nl-NL" smtClean="0"/>
-              <a:t>3-12-2017</a:t>
+              <a:t>22-1-2019</a:t>
             </a:fld>
             <a:endParaRPr lang="nl-NL"/>
           </a:p>
@@ -881,7 +877,7 @@
           <a:p>
             <a:fld id="{CEBE2C43-0FFF-4582-B492-3C51C8041F09}" type="datetimeFigureOut">
               <a:rPr lang="nl-NL" smtClean="0"/>
-              <a:t>3-12-2017</a:t>
+              <a:t>22-1-2019</a:t>
             </a:fld>
             <a:endParaRPr lang="nl-NL"/>
           </a:p>
@@ -1157,7 +1153,7 @@
           <a:p>
             <a:fld id="{CEBE2C43-0FFF-4582-B492-3C51C8041F09}" type="datetimeFigureOut">
               <a:rPr lang="nl-NL" smtClean="0"/>
-              <a:t>3-12-2017</a:t>
+              <a:t>22-1-2019</a:t>
             </a:fld>
             <a:endParaRPr lang="nl-NL"/>
           </a:p>
@@ -1425,7 +1421,7 @@
           <a:p>
             <a:fld id="{CEBE2C43-0FFF-4582-B492-3C51C8041F09}" type="datetimeFigureOut">
               <a:rPr lang="nl-NL" smtClean="0"/>
-              <a:t>3-12-2017</a:t>
+              <a:t>22-1-2019</a:t>
             </a:fld>
             <a:endParaRPr lang="nl-NL"/>
           </a:p>
@@ -1840,7 +1836,7 @@
           <a:p>
             <a:fld id="{CEBE2C43-0FFF-4582-B492-3C51C8041F09}" type="datetimeFigureOut">
               <a:rPr lang="nl-NL" smtClean="0"/>
-              <a:t>3-12-2017</a:t>
+              <a:t>22-1-2019</a:t>
             </a:fld>
             <a:endParaRPr lang="nl-NL"/>
           </a:p>
@@ -1982,7 +1978,7 @@
           <a:p>
             <a:fld id="{CEBE2C43-0FFF-4582-B492-3C51C8041F09}" type="datetimeFigureOut">
               <a:rPr lang="nl-NL" smtClean="0"/>
-              <a:t>3-12-2017</a:t>
+              <a:t>22-1-2019</a:t>
             </a:fld>
             <a:endParaRPr lang="nl-NL"/>
           </a:p>
@@ -2095,7 +2091,7 @@
           <a:p>
             <a:fld id="{CEBE2C43-0FFF-4582-B492-3C51C8041F09}" type="datetimeFigureOut">
               <a:rPr lang="nl-NL" smtClean="0"/>
-              <a:t>3-12-2017</a:t>
+              <a:t>22-1-2019</a:t>
             </a:fld>
             <a:endParaRPr lang="nl-NL"/>
           </a:p>
@@ -2408,7 +2404,7 @@
           <a:p>
             <a:fld id="{CEBE2C43-0FFF-4582-B492-3C51C8041F09}" type="datetimeFigureOut">
               <a:rPr lang="nl-NL" smtClean="0"/>
-              <a:t>3-12-2017</a:t>
+              <a:t>22-1-2019</a:t>
             </a:fld>
             <a:endParaRPr lang="nl-NL"/>
           </a:p>
@@ -2697,7 +2693,7 @@
           <a:p>
             <a:fld id="{CEBE2C43-0FFF-4582-B492-3C51C8041F09}" type="datetimeFigureOut">
               <a:rPr lang="nl-NL" smtClean="0"/>
-              <a:t>3-12-2017</a:t>
+              <a:t>22-1-2019</a:t>
             </a:fld>
             <a:endParaRPr lang="nl-NL"/>
           </a:p>
@@ -2940,7 +2936,7 @@
           <a:p>
             <a:fld id="{CEBE2C43-0FFF-4582-B492-3C51C8041F09}" type="datetimeFigureOut">
               <a:rPr lang="nl-NL" smtClean="0"/>
-              <a:t>3-12-2017</a:t>
+              <a:t>22-1-2019</a:t>
             </a:fld>
             <a:endParaRPr lang="nl-NL"/>
           </a:p>
@@ -3661,12 +3657,8 @@
               </a:spcBef>
             </a:pPr>
             <a:r>
-              <a:rPr lang="en-SG" sz="1500" dirty="0" err="1"/>
-              <a:t>TnoProject</a:t>
-            </a:r>
-            <a:r>
               <a:rPr lang="en-SG" sz="1500" dirty="0"/>
-              <a:t>: "P1", "Project 1" </a:t>
+              <a:t>Project: "P1", "Project 1" </a:t>
             </a:r>
             <a:endParaRPr lang="nl-NL" sz="1500" dirty="0"/>
           </a:p>
@@ -3966,22 +3958,21 @@
           <p:nvPr/>
         </p:nvPicPr>
         <p:blipFill>
-          <a:blip r:embed="rId2" cstate="print">
+          <a:blip r:embed="rId2">
             <a:extLst>
               <a:ext uri="{28A0092B-C50C-407E-A947-70E740481C1C}">
                 <a14:useLocalDpi xmlns:a14="http://schemas.microsoft.com/office/drawing/2010/main" val="0"/>
               </a:ext>
             </a:extLst>
           </a:blip>
-          <a:srcRect/>
           <a:stretch>
             <a:fillRect/>
           </a:stretch>
         </p:blipFill>
         <p:spPr bwMode="auto">
           <a:xfrm>
-            <a:off x="4718050" y="989012"/>
-            <a:ext cx="6634162" cy="4879976"/>
+            <a:off x="4720890" y="989012"/>
+            <a:ext cx="6628481" cy="4879976"/>
           </a:xfrm>
           <a:prstGeom prst="rect">
             <a:avLst/>
@@ -4095,15 +4086,21 @@
           <p:nvPr/>
         </p:nvPicPr>
         <p:blipFill>
-          <a:blip r:embed="rId2"/>
+          <a:blip r:embed="rId2">
+            <a:extLst>
+              <a:ext uri="{28A0092B-C50C-407E-A947-70E740481C1C}">
+                <a14:useLocalDpi xmlns:a14="http://schemas.microsoft.com/office/drawing/2010/main" val="0"/>
+              </a:ext>
+            </a:extLst>
+          </a:blip>
           <a:stretch>
             <a:fillRect/>
           </a:stretch>
         </p:blipFill>
         <p:spPr>
           <a:xfrm>
-            <a:off x="4772024" y="833120"/>
-            <a:ext cx="6580187" cy="5035868"/>
+            <a:off x="4773096" y="833120"/>
+            <a:ext cx="6578043" cy="5035868"/>
           </a:xfrm>
           <a:prstGeom prst="rect">
             <a:avLst/>
@@ -4611,7 +4608,7 @@
           <a:graphicData uri="http://schemas.openxmlformats.org/presentationml/2006/ole">
             <mc:AlternateContent xmlns:mc="http://schemas.openxmlformats.org/markup-compatibility/2006">
               <mc:Choice xmlns:v="urn:schemas-microsoft-com:vml" Requires="v">
-                <p:oleObj spid="_x0000_s1029" name="Visio" r:id="rId3" imgW="6750186" imgH="4933796" progId="Visio.Drawing.15">
+                <p:oleObj spid="_x0000_s1032" name="Visio" r:id="rId3" imgW="6750186" imgH="4933796" progId="Visio.Drawing.15">
                   <p:embed/>
                 </p:oleObj>
               </mc:Choice>
